--- a/Grupparbete/Presentation.pptx
+++ b/Grupparbete/Presentation.pptx
@@ -8,7 +8,13 @@
     <p:sldId id="256" r:id="rId2"/>
     <p:sldId id="258" r:id="rId3"/>
     <p:sldId id="257" r:id="rId4"/>
-    <p:sldId id="259" r:id="rId5"/>
+    <p:sldId id="264" r:id="rId5"/>
+    <p:sldId id="259" r:id="rId6"/>
+    <p:sldId id="260" r:id="rId7"/>
+    <p:sldId id="261" r:id="rId8"/>
+    <p:sldId id="262" r:id="rId9"/>
+    <p:sldId id="263" r:id="rId10"/>
+    <p:sldId id="265" r:id="rId11"/>
   </p:sldIdLst>
   <p:sldSz cx="12192000" cy="6858000"/>
   <p:notesSz cx="6858000" cy="9144000"/>
@@ -107,6 +113,11 @@
       </a:defRPr>
     </a:lvl9pPr>
   </p:defaultTextStyle>
+  <p:extLst>
+    <p:ext uri="{EFAFB233-063F-42B5-8137-9DF3F51BA10A}">
+      <p15:sldGuideLst xmlns:p15="http://schemas.microsoft.com/office/powerpoint/2012/main"/>
+    </p:ext>
+  </p:extLst>
 </p:presentation>
 </file>
 
@@ -3444,6 +3455,96 @@
 </p:sld>
 </file>
 
+<file path=ppt/slides/slide10.xml><?xml version="1.0" encoding="utf-8"?>
+<p:sld xmlns:a="http://schemas.openxmlformats.org/drawingml/2006/main" xmlns:r="http://schemas.openxmlformats.org/officeDocument/2006/relationships" xmlns:p="http://schemas.openxmlformats.org/presentationml/2006/main">
+  <p:cSld>
+    <p:spTree>
+      <p:nvGrpSpPr>
+        <p:cNvPr id="1" name=""/>
+        <p:cNvGrpSpPr/>
+        <p:nvPr/>
+      </p:nvGrpSpPr>
+      <p:grpSpPr>
+        <a:xfrm>
+          <a:off x="0" y="0"/>
+          <a:ext cx="0" cy="0"/>
+          <a:chOff x="0" y="0"/>
+          <a:chExt cx="0" cy="0"/>
+        </a:xfrm>
+      </p:grpSpPr>
+      <p:pic>
+        <p:nvPicPr>
+          <p:cNvPr id="4" name="Picture 3">
+            <a:extLst>
+              <a:ext uri="{FF2B5EF4-FFF2-40B4-BE49-F238E27FC236}">
+                <a16:creationId xmlns:a16="http://schemas.microsoft.com/office/drawing/2014/main" id="{13751C06-0D3F-41E4-8253-6F60BDBFA733}"/>
+              </a:ext>
+            </a:extLst>
+          </p:cNvPr>
+          <p:cNvPicPr>
+            <a:picLocks noChangeAspect="1"/>
+          </p:cNvPicPr>
+          <p:nvPr/>
+        </p:nvPicPr>
+        <p:blipFill>
+          <a:blip r:embed="rId2"/>
+          <a:stretch>
+            <a:fillRect/>
+          </a:stretch>
+        </p:blipFill>
+        <p:spPr>
+          <a:xfrm>
+            <a:off x="2828924" y="1383347"/>
+            <a:ext cx="6534150" cy="1876425"/>
+          </a:xfrm>
+          <a:prstGeom prst="rect">
+            <a:avLst/>
+          </a:prstGeom>
+        </p:spPr>
+      </p:pic>
+      <p:pic>
+        <p:nvPicPr>
+          <p:cNvPr id="5" name="Picture 4">
+            <a:extLst>
+              <a:ext uri="{FF2B5EF4-FFF2-40B4-BE49-F238E27FC236}">
+                <a16:creationId xmlns:a16="http://schemas.microsoft.com/office/drawing/2014/main" id="{9280D0AF-C5A1-4557-9C62-C855F30C8697}"/>
+              </a:ext>
+            </a:extLst>
+          </p:cNvPr>
+          <p:cNvPicPr>
+            <a:picLocks noChangeAspect="1"/>
+          </p:cNvPicPr>
+          <p:nvPr/>
+        </p:nvPicPr>
+        <p:blipFill>
+          <a:blip r:embed="rId3"/>
+          <a:stretch>
+            <a:fillRect/>
+          </a:stretch>
+        </p:blipFill>
+        <p:spPr>
+          <a:xfrm>
+            <a:off x="3490912" y="3961765"/>
+            <a:ext cx="5210175" cy="1962150"/>
+          </a:xfrm>
+          <a:prstGeom prst="rect">
+            <a:avLst/>
+          </a:prstGeom>
+        </p:spPr>
+      </p:pic>
+    </p:spTree>
+    <p:extLst>
+      <p:ext uri="{BB962C8B-B14F-4D97-AF65-F5344CB8AC3E}">
+        <p14:creationId xmlns:p14="http://schemas.microsoft.com/office/powerpoint/2010/main" val="1357723063"/>
+      </p:ext>
+    </p:extLst>
+  </p:cSld>
+  <p:clrMapOvr>
+    <a:masterClrMapping/>
+  </p:clrMapOvr>
+</p:sld>
+</file>
+
 <file path=ppt/slides/slide2.xml><?xml version="1.0" encoding="utf-8"?>
 <p:sld xmlns:a="http://schemas.openxmlformats.org/drawingml/2006/main" xmlns:r="http://schemas.openxmlformats.org/officeDocument/2006/relationships" xmlns:p="http://schemas.openxmlformats.org/presentationml/2006/main">
   <p:cSld>
@@ -3646,6 +3747,246 @@
           <p:cNvPr id="4" name="Picture 3">
             <a:extLst>
               <a:ext uri="{FF2B5EF4-FFF2-40B4-BE49-F238E27FC236}">
+                <a16:creationId xmlns:a16="http://schemas.microsoft.com/office/drawing/2014/main" id="{4A44FE82-06A0-43BD-B3B8-F0B77A38F67E}"/>
+              </a:ext>
+            </a:extLst>
+          </p:cNvPr>
+          <p:cNvPicPr>
+            <a:picLocks noChangeAspect="1"/>
+          </p:cNvPicPr>
+          <p:nvPr/>
+        </p:nvPicPr>
+        <p:blipFill>
+          <a:blip r:embed="rId2"/>
+          <a:stretch>
+            <a:fillRect/>
+          </a:stretch>
+        </p:blipFill>
+        <p:spPr>
+          <a:xfrm>
+            <a:off x="116840" y="134303"/>
+            <a:ext cx="4119880" cy="1525148"/>
+          </a:xfrm>
+          <a:prstGeom prst="rect">
+            <a:avLst/>
+          </a:prstGeom>
+        </p:spPr>
+      </p:pic>
+      <p:pic>
+        <p:nvPicPr>
+          <p:cNvPr id="5" name="Picture 4">
+            <a:extLst>
+              <a:ext uri="{FF2B5EF4-FFF2-40B4-BE49-F238E27FC236}">
+                <a16:creationId xmlns:a16="http://schemas.microsoft.com/office/drawing/2014/main" id="{0BACA7DF-60F7-476C-AE02-D2AA8EB3E08C}"/>
+              </a:ext>
+            </a:extLst>
+          </p:cNvPr>
+          <p:cNvPicPr>
+            <a:picLocks noChangeAspect="1"/>
+          </p:cNvPicPr>
+          <p:nvPr/>
+        </p:nvPicPr>
+        <p:blipFill>
+          <a:blip r:embed="rId3"/>
+          <a:stretch>
+            <a:fillRect/>
+          </a:stretch>
+        </p:blipFill>
+        <p:spPr>
+          <a:xfrm>
+            <a:off x="4868545" y="134303"/>
+            <a:ext cx="3629616" cy="1525148"/>
+          </a:xfrm>
+          <a:prstGeom prst="rect">
+            <a:avLst/>
+          </a:prstGeom>
+        </p:spPr>
+      </p:pic>
+      <p:pic>
+        <p:nvPicPr>
+          <p:cNvPr id="6" name="Picture 5">
+            <a:extLst>
+              <a:ext uri="{FF2B5EF4-FFF2-40B4-BE49-F238E27FC236}">
+                <a16:creationId xmlns:a16="http://schemas.microsoft.com/office/drawing/2014/main" id="{9D3B4CF4-C555-4428-AB7C-5249551149E9}"/>
+              </a:ext>
+            </a:extLst>
+          </p:cNvPr>
+          <p:cNvPicPr>
+            <a:picLocks noChangeAspect="1"/>
+          </p:cNvPicPr>
+          <p:nvPr/>
+        </p:nvPicPr>
+        <p:blipFill>
+          <a:blip r:embed="rId4"/>
+          <a:stretch>
+            <a:fillRect/>
+          </a:stretch>
+        </p:blipFill>
+        <p:spPr>
+          <a:xfrm>
+            <a:off x="116840" y="1847215"/>
+            <a:ext cx="4119880" cy="1547435"/>
+          </a:xfrm>
+          <a:prstGeom prst="rect">
+            <a:avLst/>
+          </a:prstGeom>
+        </p:spPr>
+      </p:pic>
+      <p:pic>
+        <p:nvPicPr>
+          <p:cNvPr id="7" name="Picture 6">
+            <a:extLst>
+              <a:ext uri="{FF2B5EF4-FFF2-40B4-BE49-F238E27FC236}">
+                <a16:creationId xmlns:a16="http://schemas.microsoft.com/office/drawing/2014/main" id="{1F924FE3-F13A-409C-B8B4-F66FBC49C519}"/>
+              </a:ext>
+            </a:extLst>
+          </p:cNvPr>
+          <p:cNvPicPr>
+            <a:picLocks noChangeAspect="1"/>
+          </p:cNvPicPr>
+          <p:nvPr/>
+        </p:nvPicPr>
+        <p:blipFill>
+          <a:blip r:embed="rId5"/>
+          <a:stretch>
+            <a:fillRect/>
+          </a:stretch>
+        </p:blipFill>
+        <p:spPr>
+          <a:xfrm>
+            <a:off x="4868546" y="1847215"/>
+            <a:ext cx="3629615" cy="1194185"/>
+          </a:xfrm>
+          <a:prstGeom prst="rect">
+            <a:avLst/>
+          </a:prstGeom>
+        </p:spPr>
+      </p:pic>
+      <p:pic>
+        <p:nvPicPr>
+          <p:cNvPr id="8" name="Picture 7">
+            <a:extLst>
+              <a:ext uri="{FF2B5EF4-FFF2-40B4-BE49-F238E27FC236}">
+                <a16:creationId xmlns:a16="http://schemas.microsoft.com/office/drawing/2014/main" id="{3CDCC7CD-5833-4572-996E-F46AF3A29BFB}"/>
+              </a:ext>
+            </a:extLst>
+          </p:cNvPr>
+          <p:cNvPicPr>
+            <a:picLocks noChangeAspect="1"/>
+          </p:cNvPicPr>
+          <p:nvPr/>
+        </p:nvPicPr>
+        <p:blipFill>
+          <a:blip r:embed="rId6"/>
+          <a:stretch>
+            <a:fillRect/>
+          </a:stretch>
+        </p:blipFill>
+        <p:spPr>
+          <a:xfrm>
+            <a:off x="116840" y="3582414"/>
+            <a:ext cx="4119880" cy="1401676"/>
+          </a:xfrm>
+          <a:prstGeom prst="rect">
+            <a:avLst/>
+          </a:prstGeom>
+        </p:spPr>
+      </p:pic>
+      <p:pic>
+        <p:nvPicPr>
+          <p:cNvPr id="10" name="Picture 9">
+            <a:extLst>
+              <a:ext uri="{FF2B5EF4-FFF2-40B4-BE49-F238E27FC236}">
+                <a16:creationId xmlns:a16="http://schemas.microsoft.com/office/drawing/2014/main" id="{C41F919C-CDF2-4E45-BFA8-0C8258ACC325}"/>
+              </a:ext>
+            </a:extLst>
+          </p:cNvPr>
+          <p:cNvPicPr>
+            <a:picLocks noChangeAspect="1"/>
+          </p:cNvPicPr>
+          <p:nvPr/>
+        </p:nvPicPr>
+        <p:blipFill>
+          <a:blip r:embed="rId7"/>
+          <a:stretch>
+            <a:fillRect/>
+          </a:stretch>
+        </p:blipFill>
+        <p:spPr>
+          <a:xfrm>
+            <a:off x="4868545" y="3582414"/>
+            <a:ext cx="3629616" cy="1217715"/>
+          </a:xfrm>
+          <a:prstGeom prst="rect">
+            <a:avLst/>
+          </a:prstGeom>
+        </p:spPr>
+      </p:pic>
+      <p:pic>
+        <p:nvPicPr>
+          <p:cNvPr id="11" name="Picture 10">
+            <a:extLst>
+              <a:ext uri="{FF2B5EF4-FFF2-40B4-BE49-F238E27FC236}">
+                <a16:creationId xmlns:a16="http://schemas.microsoft.com/office/drawing/2014/main" id="{D4446D45-F632-4C64-A3A8-E6E5793C179B}"/>
+              </a:ext>
+            </a:extLst>
+          </p:cNvPr>
+          <p:cNvPicPr>
+            <a:picLocks noChangeAspect="1"/>
+          </p:cNvPicPr>
+          <p:nvPr/>
+        </p:nvPicPr>
+        <p:blipFill>
+          <a:blip r:embed="rId8"/>
+          <a:stretch>
+            <a:fillRect/>
+          </a:stretch>
+        </p:blipFill>
+        <p:spPr>
+          <a:xfrm>
+            <a:off x="4868545" y="5022371"/>
+            <a:ext cx="5063367" cy="1671638"/>
+          </a:xfrm>
+          <a:prstGeom prst="rect">
+            <a:avLst/>
+          </a:prstGeom>
+        </p:spPr>
+      </p:pic>
+    </p:spTree>
+    <p:extLst>
+      <p:ext uri="{BB962C8B-B14F-4D97-AF65-F5344CB8AC3E}">
+        <p14:creationId xmlns:p14="http://schemas.microsoft.com/office/powerpoint/2010/main" val="3078947525"/>
+      </p:ext>
+    </p:extLst>
+  </p:cSld>
+  <p:clrMapOvr>
+    <a:masterClrMapping/>
+  </p:clrMapOvr>
+</p:sld>
+</file>
+
+<file path=ppt/slides/slide5.xml><?xml version="1.0" encoding="utf-8"?>
+<p:sld xmlns:a="http://schemas.openxmlformats.org/drawingml/2006/main" xmlns:r="http://schemas.openxmlformats.org/officeDocument/2006/relationships" xmlns:p="http://schemas.openxmlformats.org/presentationml/2006/main">
+  <p:cSld>
+    <p:spTree>
+      <p:nvGrpSpPr>
+        <p:cNvPr id="1" name=""/>
+        <p:cNvGrpSpPr/>
+        <p:nvPr/>
+      </p:nvGrpSpPr>
+      <p:grpSpPr>
+        <a:xfrm>
+          <a:off x="0" y="0"/>
+          <a:ext cx="0" cy="0"/>
+          <a:chOff x="0" y="0"/>
+          <a:chExt cx="0" cy="0"/>
+        </a:xfrm>
+      </p:grpSpPr>
+      <p:pic>
+        <p:nvPicPr>
+          <p:cNvPr id="4" name="Picture 3">
+            <a:extLst>
+              <a:ext uri="{FF2B5EF4-FFF2-40B4-BE49-F238E27FC236}">
                 <a16:creationId xmlns:a16="http://schemas.microsoft.com/office/drawing/2014/main" id="{1C17EB8B-6AD8-4287-AF7B-52DA70C6DA61}"/>
               </a:ext>
             </a:extLst>
@@ -3704,6 +4045,246 @@
     <p:extLst>
       <p:ext uri="{BB962C8B-B14F-4D97-AF65-F5344CB8AC3E}">
         <p14:creationId xmlns:p14="http://schemas.microsoft.com/office/powerpoint/2010/main" val="3315702070"/>
+      </p:ext>
+    </p:extLst>
+  </p:cSld>
+  <p:clrMapOvr>
+    <a:masterClrMapping/>
+  </p:clrMapOvr>
+</p:sld>
+</file>
+
+<file path=ppt/slides/slide6.xml><?xml version="1.0" encoding="utf-8"?>
+<p:sld xmlns:a="http://schemas.openxmlformats.org/drawingml/2006/main" xmlns:r="http://schemas.openxmlformats.org/officeDocument/2006/relationships" xmlns:p="http://schemas.openxmlformats.org/presentationml/2006/main">
+  <p:cSld>
+    <p:spTree>
+      <p:nvGrpSpPr>
+        <p:cNvPr id="1" name=""/>
+        <p:cNvGrpSpPr/>
+        <p:nvPr/>
+      </p:nvGrpSpPr>
+      <p:grpSpPr>
+        <a:xfrm>
+          <a:off x="0" y="0"/>
+          <a:ext cx="0" cy="0"/>
+          <a:chOff x="0" y="0"/>
+          <a:chExt cx="0" cy="0"/>
+        </a:xfrm>
+      </p:grpSpPr>
+      <p:pic>
+        <p:nvPicPr>
+          <p:cNvPr id="4" name="Picture 3">
+            <a:extLst>
+              <a:ext uri="{FF2B5EF4-FFF2-40B4-BE49-F238E27FC236}">
+                <a16:creationId xmlns:a16="http://schemas.microsoft.com/office/drawing/2014/main" id="{C4025101-437A-44E2-9C91-274BC03F2E49}"/>
+              </a:ext>
+            </a:extLst>
+          </p:cNvPr>
+          <p:cNvPicPr>
+            <a:picLocks noChangeAspect="1"/>
+          </p:cNvPicPr>
+          <p:nvPr/>
+        </p:nvPicPr>
+        <p:blipFill>
+          <a:blip r:embed="rId2"/>
+          <a:stretch>
+            <a:fillRect/>
+          </a:stretch>
+        </p:blipFill>
+        <p:spPr>
+          <a:xfrm>
+            <a:off x="694032" y="193040"/>
+            <a:ext cx="10940569" cy="6431280"/>
+          </a:xfrm>
+          <a:prstGeom prst="rect">
+            <a:avLst/>
+          </a:prstGeom>
+        </p:spPr>
+      </p:pic>
+    </p:spTree>
+    <p:extLst>
+      <p:ext uri="{BB962C8B-B14F-4D97-AF65-F5344CB8AC3E}">
+        <p14:creationId xmlns:p14="http://schemas.microsoft.com/office/powerpoint/2010/main" val="1380403554"/>
+      </p:ext>
+    </p:extLst>
+  </p:cSld>
+  <p:clrMapOvr>
+    <a:masterClrMapping/>
+  </p:clrMapOvr>
+</p:sld>
+</file>
+
+<file path=ppt/slides/slide7.xml><?xml version="1.0" encoding="utf-8"?>
+<p:sld xmlns:a="http://schemas.openxmlformats.org/drawingml/2006/main" xmlns:r="http://schemas.openxmlformats.org/officeDocument/2006/relationships" xmlns:p="http://schemas.openxmlformats.org/presentationml/2006/main">
+  <p:cSld>
+    <p:spTree>
+      <p:nvGrpSpPr>
+        <p:cNvPr id="1" name=""/>
+        <p:cNvGrpSpPr/>
+        <p:nvPr/>
+      </p:nvGrpSpPr>
+      <p:grpSpPr>
+        <a:xfrm>
+          <a:off x="0" y="0"/>
+          <a:ext cx="0" cy="0"/>
+          <a:chOff x="0" y="0"/>
+          <a:chExt cx="0" cy="0"/>
+        </a:xfrm>
+      </p:grpSpPr>
+      <p:pic>
+        <p:nvPicPr>
+          <p:cNvPr id="4" name="Picture 3">
+            <a:extLst>
+              <a:ext uri="{FF2B5EF4-FFF2-40B4-BE49-F238E27FC236}">
+                <a16:creationId xmlns:a16="http://schemas.microsoft.com/office/drawing/2014/main" id="{B2332F11-AD6D-4D17-9065-CA89DD70CEBC}"/>
+              </a:ext>
+            </a:extLst>
+          </p:cNvPr>
+          <p:cNvPicPr>
+            <a:picLocks noChangeAspect="1"/>
+          </p:cNvPicPr>
+          <p:nvPr/>
+        </p:nvPicPr>
+        <p:blipFill>
+          <a:blip r:embed="rId2"/>
+          <a:stretch>
+            <a:fillRect/>
+          </a:stretch>
+        </p:blipFill>
+        <p:spPr>
+          <a:xfrm>
+            <a:off x="1615440" y="687109"/>
+            <a:ext cx="8961120" cy="5483782"/>
+          </a:xfrm>
+          <a:prstGeom prst="rect">
+            <a:avLst/>
+          </a:prstGeom>
+        </p:spPr>
+      </p:pic>
+    </p:spTree>
+    <p:extLst>
+      <p:ext uri="{BB962C8B-B14F-4D97-AF65-F5344CB8AC3E}">
+        <p14:creationId xmlns:p14="http://schemas.microsoft.com/office/powerpoint/2010/main" val="3995688711"/>
+      </p:ext>
+    </p:extLst>
+  </p:cSld>
+  <p:clrMapOvr>
+    <a:masterClrMapping/>
+  </p:clrMapOvr>
+</p:sld>
+</file>
+
+<file path=ppt/slides/slide8.xml><?xml version="1.0" encoding="utf-8"?>
+<p:sld xmlns:a="http://schemas.openxmlformats.org/drawingml/2006/main" xmlns:r="http://schemas.openxmlformats.org/officeDocument/2006/relationships" xmlns:p="http://schemas.openxmlformats.org/presentationml/2006/main">
+  <p:cSld>
+    <p:spTree>
+      <p:nvGrpSpPr>
+        <p:cNvPr id="1" name=""/>
+        <p:cNvGrpSpPr/>
+        <p:nvPr/>
+      </p:nvGrpSpPr>
+      <p:grpSpPr>
+        <a:xfrm>
+          <a:off x="0" y="0"/>
+          <a:ext cx="0" cy="0"/>
+          <a:chOff x="0" y="0"/>
+          <a:chExt cx="0" cy="0"/>
+        </a:xfrm>
+      </p:grpSpPr>
+      <p:pic>
+        <p:nvPicPr>
+          <p:cNvPr id="4" name="Picture 3">
+            <a:extLst>
+              <a:ext uri="{FF2B5EF4-FFF2-40B4-BE49-F238E27FC236}">
+                <a16:creationId xmlns:a16="http://schemas.microsoft.com/office/drawing/2014/main" id="{C05AEEEF-F09C-4562-9C34-D2FD29B147B1}"/>
+              </a:ext>
+            </a:extLst>
+          </p:cNvPr>
+          <p:cNvPicPr>
+            <a:picLocks noChangeAspect="1"/>
+          </p:cNvPicPr>
+          <p:nvPr/>
+        </p:nvPicPr>
+        <p:blipFill>
+          <a:blip r:embed="rId2"/>
+          <a:stretch>
+            <a:fillRect/>
+          </a:stretch>
+        </p:blipFill>
+        <p:spPr>
+          <a:xfrm>
+            <a:off x="1148079" y="400858"/>
+            <a:ext cx="10136553" cy="6101541"/>
+          </a:xfrm>
+          <a:prstGeom prst="rect">
+            <a:avLst/>
+          </a:prstGeom>
+        </p:spPr>
+      </p:pic>
+    </p:spTree>
+    <p:extLst>
+      <p:ext uri="{BB962C8B-B14F-4D97-AF65-F5344CB8AC3E}">
+        <p14:creationId xmlns:p14="http://schemas.microsoft.com/office/powerpoint/2010/main" val="630498820"/>
+      </p:ext>
+    </p:extLst>
+  </p:cSld>
+  <p:clrMapOvr>
+    <a:masterClrMapping/>
+  </p:clrMapOvr>
+</p:sld>
+</file>
+
+<file path=ppt/slides/slide9.xml><?xml version="1.0" encoding="utf-8"?>
+<p:sld xmlns:a="http://schemas.openxmlformats.org/drawingml/2006/main" xmlns:r="http://schemas.openxmlformats.org/officeDocument/2006/relationships" xmlns:p="http://schemas.openxmlformats.org/presentationml/2006/main">
+  <p:cSld>
+    <p:spTree>
+      <p:nvGrpSpPr>
+        <p:cNvPr id="1" name=""/>
+        <p:cNvGrpSpPr/>
+        <p:nvPr/>
+      </p:nvGrpSpPr>
+      <p:grpSpPr>
+        <a:xfrm>
+          <a:off x="0" y="0"/>
+          <a:ext cx="0" cy="0"/>
+          <a:chOff x="0" y="0"/>
+          <a:chExt cx="0" cy="0"/>
+        </a:xfrm>
+      </p:grpSpPr>
+      <p:pic>
+        <p:nvPicPr>
+          <p:cNvPr id="4" name="Picture 3">
+            <a:extLst>
+              <a:ext uri="{FF2B5EF4-FFF2-40B4-BE49-F238E27FC236}">
+                <a16:creationId xmlns:a16="http://schemas.microsoft.com/office/drawing/2014/main" id="{CCE524CA-4BEF-489B-AD58-32590DE1E176}"/>
+              </a:ext>
+            </a:extLst>
+          </p:cNvPr>
+          <p:cNvPicPr>
+            <a:picLocks noChangeAspect="1"/>
+          </p:cNvPicPr>
+          <p:nvPr/>
+        </p:nvPicPr>
+        <p:blipFill>
+          <a:blip r:embed="rId2"/>
+          <a:stretch>
+            <a:fillRect/>
+          </a:stretch>
+        </p:blipFill>
+        <p:spPr>
+          <a:xfrm>
+            <a:off x="4145281" y="258219"/>
+            <a:ext cx="3901438" cy="6341562"/>
+          </a:xfrm>
+          <a:prstGeom prst="rect">
+            <a:avLst/>
+          </a:prstGeom>
+        </p:spPr>
+      </p:pic>
+    </p:spTree>
+    <p:extLst>
+      <p:ext uri="{BB962C8B-B14F-4D97-AF65-F5344CB8AC3E}">
+        <p14:creationId xmlns:p14="http://schemas.microsoft.com/office/powerpoint/2010/main" val="2642173727"/>
       </p:ext>
     </p:extLst>
   </p:cSld>
